--- a/03-ProgressiveWebApp/ProgressiveWebApp-ToDo.pptx
+++ b/03-ProgressiveWebApp/ProgressiveWebApp-ToDo.pptx
@@ -5,13 +5,16 @@
     <p:sldMasterId id="2147484995" r:id="rId1"/>
   </p:sldMasterIdLst>
   <p:notesMasterIdLst>
-    <p:notesMasterId r:id="rId3"/>
+    <p:notesMasterId r:id="rId6"/>
   </p:notesMasterIdLst>
   <p:handoutMasterIdLst>
-    <p:handoutMasterId r:id="rId4"/>
+    <p:handoutMasterId r:id="rId7"/>
   </p:handoutMasterIdLst>
   <p:sldIdLst>
     <p:sldId id="256" r:id="rId2"/>
+    <p:sldId id="258" r:id="rId3"/>
+    <p:sldId id="257" r:id="rId4"/>
+    <p:sldId id="259" r:id="rId5"/>
   </p:sldIdLst>
   <p:sldSz cx="12192000" cy="6858000"/>
   <p:notesSz cx="9144000" cy="6858000"/>
@@ -3967,6 +3970,868 @@
     <p:extLst>
       <p:ext uri="{BB962C8B-B14F-4D97-AF65-F5344CB8AC3E}">
         <p14:creationId xmlns:p14="http://schemas.microsoft.com/office/powerpoint/2010/main" val="748555187"/>
+      </p:ext>
+    </p:extLst>
+  </p:cSld>
+  <p:clrMapOvr>
+    <a:masterClrMapping/>
+  </p:clrMapOvr>
+</p:sld>
+</file>
+
+<file path=ppt/slides/slide2.xml><?xml version="1.0" encoding="utf-8"?>
+<p:sld xmlns:a="http://schemas.openxmlformats.org/drawingml/2006/main" xmlns:r="http://schemas.openxmlformats.org/officeDocument/2006/relationships" xmlns:p="http://schemas.openxmlformats.org/presentationml/2006/main">
+  <p:cSld>
+    <p:spTree>
+      <p:nvGrpSpPr>
+        <p:cNvPr id="1" name=""/>
+        <p:cNvGrpSpPr/>
+        <p:nvPr/>
+      </p:nvGrpSpPr>
+      <p:grpSpPr>
+        <a:xfrm>
+          <a:off x="0" y="0"/>
+          <a:ext cx="0" cy="0"/>
+          <a:chOff x="0" y="0"/>
+          <a:chExt cx="0" cy="0"/>
+        </a:xfrm>
+      </p:grpSpPr>
+      <p:sp>
+        <p:nvSpPr>
+          <p:cNvPr id="2" name="Symbol zastępczy zawartości 1">
+            <a:extLst>
+              <a:ext uri="{FF2B5EF4-FFF2-40B4-BE49-F238E27FC236}">
+                <a16:creationId xmlns:a16="http://schemas.microsoft.com/office/drawing/2014/main" id="{2FB05A20-CE33-4A69-88F2-29D9BB4A3DBF}"/>
+              </a:ext>
+            </a:extLst>
+          </p:cNvPr>
+          <p:cNvSpPr>
+            <a:spLocks noGrp="1"/>
+          </p:cNvSpPr>
+          <p:nvPr>
+            <p:ph idx="1"/>
+          </p:nvPr>
+        </p:nvSpPr>
+        <p:spPr/>
+        <p:txBody>
+          <a:bodyPr>
+            <a:normAutofit/>
+          </a:bodyPr>
+          <a:lstStyle/>
+          <a:p>
+            <a:r>
+              <a:rPr lang="pl-PL" dirty="0"/>
+              <a:t>Zainstaluj aplikację </a:t>
+            </a:r>
+            <a:r>
+              <a:rPr lang="pl-PL" dirty="0">
+                <a:hlinkClick r:id="rId2"/>
+              </a:rPr>
+              <a:t>https://www.money.pl/gielda/</a:t>
+            </a:r>
+            <a:r>
+              <a:rPr lang="pl-PL" dirty="0"/>
+              <a:t> . Następnie uruchom ją korzystając z ikony dostępnej na pulpicie.</a:t>
+            </a:r>
+          </a:p>
+          <a:p>
+            <a:r>
+              <a:rPr lang="pl-PL" dirty="0"/>
+              <a:t>Korzystając z Google Chrome </a:t>
+            </a:r>
+            <a:r>
+              <a:rPr lang="pl-PL" dirty="0" err="1"/>
+              <a:t>Devtools</a:t>
+            </a:r>
+            <a:r>
+              <a:rPr lang="pl-PL" dirty="0"/>
+              <a:t>:</a:t>
+            </a:r>
+          </a:p>
+          <a:p>
+            <a:pPr lvl="1"/>
+            <a:r>
+              <a:rPr lang="pl-PL" dirty="0"/>
+              <a:t>zapoznaj się ze składowymi pliku manifestu (</a:t>
+            </a:r>
+            <a:r>
+              <a:rPr lang="pl-PL" dirty="0" err="1"/>
+              <a:t>identity</a:t>
+            </a:r>
+            <a:r>
+              <a:rPr lang="pl-PL" dirty="0"/>
+              <a:t>, </a:t>
+            </a:r>
+            <a:r>
+              <a:rPr lang="pl-PL" dirty="0" err="1"/>
+              <a:t>presentation</a:t>
+            </a:r>
+            <a:r>
+              <a:rPr lang="pl-PL" dirty="0"/>
+              <a:t>, </a:t>
+            </a:r>
+            <a:r>
+              <a:rPr lang="pl-PL" dirty="0" err="1"/>
+              <a:t>icons</a:t>
+            </a:r>
+            <a:r>
+              <a:rPr lang="pl-PL" dirty="0"/>
+              <a:t>)</a:t>
+            </a:r>
+          </a:p>
+          <a:p>
+            <a:pPr lvl="1"/>
+            <a:r>
+              <a:rPr lang="pl-PL" dirty="0"/>
+              <a:t>wyświetl zawartość pliku service </a:t>
+            </a:r>
+            <a:r>
+              <a:rPr lang="pl-PL" dirty="0" err="1"/>
+              <a:t>worker</a:t>
+            </a:r>
+            <a:r>
+              <a:rPr lang="pl-PL" dirty="0"/>
+              <a:t> i zobacz, ile i jakie zdarzenia obsługuje</a:t>
+            </a:r>
+          </a:p>
+          <a:p>
+            <a:pPr lvl="1"/>
+            <a:r>
+              <a:rPr lang="pl-PL" dirty="0"/>
+              <a:t>wyświetl listę działających service </a:t>
+            </a:r>
+            <a:r>
+              <a:rPr lang="pl-PL" dirty="0" err="1"/>
+              <a:t>workers</a:t>
+            </a:r>
+            <a:r>
+              <a:rPr lang="pl-PL" dirty="0"/>
+              <a:t> innych aplikacji (service </a:t>
+            </a:r>
+            <a:r>
+              <a:rPr lang="pl-PL" dirty="0" err="1"/>
+              <a:t>workers</a:t>
+            </a:r>
+            <a:r>
+              <a:rPr lang="pl-PL" dirty="0"/>
+              <a:t> from </a:t>
+            </a:r>
+            <a:r>
+              <a:rPr lang="pl-PL" dirty="0" err="1"/>
+              <a:t>other</a:t>
+            </a:r>
+            <a:r>
+              <a:rPr lang="pl-PL" dirty="0"/>
+              <a:t> </a:t>
+            </a:r>
+            <a:r>
+              <a:rPr lang="pl-PL" dirty="0" err="1"/>
+              <a:t>origins</a:t>
+            </a:r>
+            <a:r>
+              <a:rPr lang="pl-PL" dirty="0"/>
+              <a:t>). </a:t>
+            </a:r>
+          </a:p>
+          <a:p>
+            <a:r>
+              <a:rPr lang="pl-PL" dirty="0"/>
+              <a:t>Odinstaluj aplikację.</a:t>
+            </a:r>
+          </a:p>
+        </p:txBody>
+      </p:sp>
+      <p:sp>
+        <p:nvSpPr>
+          <p:cNvPr id="3" name="Symbol zastępczy numeru slajdu 2">
+            <a:extLst>
+              <a:ext uri="{FF2B5EF4-FFF2-40B4-BE49-F238E27FC236}">
+                <a16:creationId xmlns:a16="http://schemas.microsoft.com/office/drawing/2014/main" id="{B86D05D7-5E38-4208-B7E8-9742C846F026}"/>
+              </a:ext>
+            </a:extLst>
+          </p:cNvPr>
+          <p:cNvSpPr>
+            <a:spLocks noGrp="1"/>
+          </p:cNvSpPr>
+          <p:nvPr>
+            <p:ph type="sldNum" sz="quarter" idx="12"/>
+          </p:nvPr>
+        </p:nvSpPr>
+        <p:spPr/>
+        <p:txBody>
+          <a:bodyPr/>
+          <a:lstStyle/>
+          <a:p>
+            <a:fld id="{254C963F-D690-449C-B336-8B464EE7B8DB}" type="slidenum">
+              <a:rPr lang="pl-PL" smtClean="0"/>
+              <a:t>2</a:t>
+            </a:fld>
+            <a:endParaRPr lang="pl-PL" dirty="0"/>
+          </a:p>
+        </p:txBody>
+      </p:sp>
+      <p:sp>
+        <p:nvSpPr>
+          <p:cNvPr id="4" name="Tytuł 3">
+            <a:extLst>
+              <a:ext uri="{FF2B5EF4-FFF2-40B4-BE49-F238E27FC236}">
+                <a16:creationId xmlns:a16="http://schemas.microsoft.com/office/drawing/2014/main" id="{054EA469-D302-49BB-83BC-E9701176DA27}"/>
+              </a:ext>
+            </a:extLst>
+          </p:cNvPr>
+          <p:cNvSpPr>
+            <a:spLocks noGrp="1"/>
+          </p:cNvSpPr>
+          <p:nvPr>
+            <p:ph type="title"/>
+          </p:nvPr>
+        </p:nvSpPr>
+        <p:spPr/>
+        <p:txBody>
+          <a:bodyPr/>
+          <a:lstStyle/>
+          <a:p>
+            <a:r>
+              <a:rPr lang="pl-PL" dirty="0"/>
+              <a:t>PWA Installation</a:t>
+            </a:r>
+          </a:p>
+        </p:txBody>
+      </p:sp>
+    </p:spTree>
+    <p:extLst>
+      <p:ext uri="{BB962C8B-B14F-4D97-AF65-F5344CB8AC3E}">
+        <p14:creationId xmlns:p14="http://schemas.microsoft.com/office/powerpoint/2010/main" val="738811818"/>
+      </p:ext>
+    </p:extLst>
+  </p:cSld>
+  <p:clrMapOvr>
+    <a:masterClrMapping/>
+  </p:clrMapOvr>
+</p:sld>
+</file>
+
+<file path=ppt/slides/slide3.xml><?xml version="1.0" encoding="utf-8"?>
+<p:sld xmlns:a="http://schemas.openxmlformats.org/drawingml/2006/main" xmlns:r="http://schemas.openxmlformats.org/officeDocument/2006/relationships" xmlns:p="http://schemas.openxmlformats.org/presentationml/2006/main">
+  <p:cSld>
+    <p:spTree>
+      <p:nvGrpSpPr>
+        <p:cNvPr id="1" name=""/>
+        <p:cNvGrpSpPr/>
+        <p:nvPr/>
+      </p:nvGrpSpPr>
+      <p:grpSpPr>
+        <a:xfrm>
+          <a:off x="0" y="0"/>
+          <a:ext cx="0" cy="0"/>
+          <a:chOff x="0" y="0"/>
+          <a:chExt cx="0" cy="0"/>
+        </a:xfrm>
+      </p:grpSpPr>
+      <p:sp>
+        <p:nvSpPr>
+          <p:cNvPr id="4" name="Tytuł 3">
+            <a:extLst>
+              <a:ext uri="{FF2B5EF4-FFF2-40B4-BE49-F238E27FC236}">
+                <a16:creationId xmlns:a16="http://schemas.microsoft.com/office/drawing/2014/main" id="{2F63C9F2-60A2-400C-891E-41C0D579E9CA}"/>
+              </a:ext>
+            </a:extLst>
+          </p:cNvPr>
+          <p:cNvSpPr>
+            <a:spLocks noGrp="1"/>
+          </p:cNvSpPr>
+          <p:nvPr>
+            <p:ph type="title"/>
+          </p:nvPr>
+        </p:nvSpPr>
+        <p:spPr/>
+        <p:txBody>
+          <a:bodyPr/>
+          <a:lstStyle/>
+          <a:p>
+            <a:r>
+              <a:rPr lang="pl-PL" dirty="0"/>
+              <a:t>Bicycle</a:t>
+            </a:r>
+          </a:p>
+        </p:txBody>
+      </p:sp>
+      <p:sp>
+        <p:nvSpPr>
+          <p:cNvPr id="2" name="Symbol zastępczy zawartości 1">
+            <a:extLst>
+              <a:ext uri="{FF2B5EF4-FFF2-40B4-BE49-F238E27FC236}">
+                <a16:creationId xmlns:a16="http://schemas.microsoft.com/office/drawing/2014/main" id="{BAAED307-44A0-41B4-8F5B-C57B6E98ECB7}"/>
+              </a:ext>
+            </a:extLst>
+          </p:cNvPr>
+          <p:cNvSpPr>
+            <a:spLocks noGrp="1"/>
+          </p:cNvSpPr>
+          <p:nvPr>
+            <p:ph sz="half" idx="1"/>
+          </p:nvPr>
+        </p:nvSpPr>
+        <p:spPr/>
+        <p:txBody>
+          <a:bodyPr>
+            <a:normAutofit fontScale="55000" lnSpcReduction="20000"/>
+          </a:bodyPr>
+          <a:lstStyle/>
+          <a:p>
+            <a:r>
+              <a:rPr lang="pl-PL" dirty="0"/>
+              <a:t>Używając </a:t>
+            </a:r>
+            <a:r>
+              <a:rPr lang="pl-PL" dirty="0" err="1"/>
+              <a:t>bootstrapa</a:t>
+            </a:r>
+            <a:r>
+              <a:rPr lang="pl-PL" dirty="0"/>
+              <a:t>, utwórz aplikację Bicycle, zgodnie z szablonem. Dla uatrakcyjnienia jej wyglądu </a:t>
+            </a:r>
+            <a:r>
+              <a:rPr lang="pl-PL" dirty="0">
+                <a:solidFill>
+                  <a:srgbClr val="FF0000"/>
+                </a:solidFill>
+              </a:rPr>
+              <a:t>zastosuj</a:t>
+            </a:r>
+            <a:r>
+              <a:rPr lang="pl-PL" dirty="0"/>
+              <a:t> </a:t>
+            </a:r>
+            <a:r>
+              <a:rPr lang="pl-PL" dirty="0">
+                <a:solidFill>
+                  <a:srgbClr val="FF0000"/>
+                </a:solidFill>
+              </a:rPr>
+              <a:t>kolory</a:t>
+            </a:r>
+            <a:r>
+              <a:rPr lang="pl-PL" dirty="0"/>
+              <a:t>.</a:t>
+            </a:r>
+          </a:p>
+          <a:p>
+            <a:r>
+              <a:rPr lang="pl-PL" dirty="0"/>
+              <a:t>Dodaj menu zawierające elementy: Firma, Produkty, Kontakt. Zastosuj 'hamburger' menu: </a:t>
+            </a:r>
+            <a:r>
+              <a:rPr lang="pl-PL" dirty="0">
+                <a:hlinkClick r:id="rId2"/>
+              </a:rPr>
+              <a:t>https://mdbootstrap.com/docs/jquery/navigation/hamburger-menu/</a:t>
+            </a:r>
+            <a:r>
+              <a:rPr lang="pl-PL" dirty="0"/>
+              <a:t> </a:t>
+            </a:r>
+          </a:p>
+          <a:p>
+            <a:r>
+              <a:rPr lang="pl-PL" dirty="0"/>
+              <a:t>Zasadnicza treść aplikacji zawarta jest w dwóch kolumnach (Definicja roweru, Rodzaje rowerów). Druga z kolumn jest dwukrotnie szersza od pierwszej. Sformatuj kolumny, aby były poprawnie wyświetlane na różnych rodzajach urządzeń.</a:t>
+            </a:r>
+          </a:p>
+          <a:p>
+            <a:r>
+              <a:rPr lang="pl-PL" dirty="0"/>
+              <a:t>W pierwszej kolumnie umieść tytuł oraz dwa paragrafy dotyczące roweru. W drugiej kolumnie umieść informację (tytuł, zdjęcie, opis) o trzech dowolnych rodzajach rowerów (</a:t>
+            </a:r>
+            <a:r>
+              <a:rPr lang="pl-PL" dirty="0">
+                <a:hlinkClick r:id="rId3"/>
+              </a:rPr>
+              <a:t>https://pl.wikipedia.org/wiki/Rower</a:t>
+            </a:r>
+            <a:r>
+              <a:rPr lang="pl-PL" dirty="0"/>
+              <a:t>).</a:t>
+            </a:r>
+          </a:p>
+          <a:p>
+            <a:r>
+              <a:rPr lang="pl-PL" dirty="0"/>
+              <a:t>Umieść aplikację na platformie </a:t>
+            </a:r>
+            <a:r>
+              <a:rPr lang="pl-PL" dirty="0" err="1"/>
+              <a:t>github</a:t>
+            </a:r>
+            <a:r>
+              <a:rPr lang="pl-PL" dirty="0"/>
+              <a:t> (</a:t>
+            </a:r>
+            <a:r>
+              <a:rPr lang="pl-PL" dirty="0">
+                <a:hlinkClick r:id="rId4"/>
+              </a:rPr>
+              <a:t>https://pages.github.com/</a:t>
+            </a:r>
+            <a:r>
+              <a:rPr lang="pl-PL" dirty="0"/>
+              <a:t>). Przetestuj jej działanie dla różnych rodzajów urządzeń (komputer stacjonarny, urządzenie mobilne).</a:t>
+            </a:r>
+          </a:p>
+        </p:txBody>
+      </p:sp>
+      <p:graphicFrame>
+        <p:nvGraphicFramePr>
+          <p:cNvPr id="6" name="Tabela 6">
+            <a:extLst>
+              <a:ext uri="{FF2B5EF4-FFF2-40B4-BE49-F238E27FC236}">
+                <a16:creationId xmlns:a16="http://schemas.microsoft.com/office/drawing/2014/main" id="{5FA3D00A-5DF4-4CBC-B37C-FC6D045529D6}"/>
+              </a:ext>
+            </a:extLst>
+          </p:cNvPr>
+          <p:cNvGraphicFramePr>
+            <a:graphicFrameLocks noGrp="1"/>
+          </p:cNvGraphicFramePr>
+          <p:nvPr>
+            <p:ph sz="half" idx="2"/>
+            <p:extLst>
+              <p:ext uri="{D42A27DB-BD31-4B8C-83A1-F6EECF244321}">
+                <p14:modId xmlns:p14="http://schemas.microsoft.com/office/powerpoint/2010/main" val="467976245"/>
+              </p:ext>
+            </p:extLst>
+          </p:nvPr>
+        </p:nvGraphicFramePr>
+        <p:xfrm>
+          <a:off x="6172200" y="1825625"/>
+          <a:ext cx="5181600" cy="4058920"/>
+        </p:xfrm>
+        <a:graphic>
+          <a:graphicData uri="http://schemas.openxmlformats.org/drawingml/2006/table">
+            <a:tbl>
+              <a:tblPr firstRow="1" bandRow="1">
+                <a:tableStyleId>{5940675A-B579-460E-94D1-54222C63F5DA}</a:tableStyleId>
+              </a:tblPr>
+              <a:tblGrid>
+                <a:gridCol w="1727200">
+                  <a:extLst>
+                    <a:ext uri="{9D8B030D-6E8A-4147-A177-3AD203B41FA5}">
+                      <a16:colId xmlns:a16="http://schemas.microsoft.com/office/drawing/2014/main" val="2393347306"/>
+                    </a:ext>
+                  </a:extLst>
+                </a:gridCol>
+                <a:gridCol w="3454400">
+                  <a:extLst>
+                    <a:ext uri="{9D8B030D-6E8A-4147-A177-3AD203B41FA5}">
+                      <a16:colId xmlns:a16="http://schemas.microsoft.com/office/drawing/2014/main" val="321479417"/>
+                    </a:ext>
+                  </a:extLst>
+                </a:gridCol>
+              </a:tblGrid>
+              <a:tr h="370840">
+                <a:tc gridSpan="2">
+                  <a:txBody>
+                    <a:bodyPr/>
+                    <a:lstStyle/>
+                    <a:p>
+                      <a:pPr algn="ctr"/>
+                      <a:r>
+                        <a:rPr lang="pl-PL" sz="3200" dirty="0"/>
+                        <a:t>ROWER</a:t>
+                      </a:r>
+                      <a:br>
+                        <a:rPr lang="pl-PL" dirty="0"/>
+                      </a:br>
+                      <a:r>
+                        <a:rPr lang="pl-PL" dirty="0"/>
+                        <a:t>Pojazd napędzany siłą ludzkich mięśni</a:t>
+                      </a:r>
+                    </a:p>
+                  </a:txBody>
+                  <a:tcPr/>
+                </a:tc>
+                <a:tc hMerge="1">
+                  <a:txBody>
+                    <a:bodyPr/>
+                    <a:lstStyle/>
+                    <a:p>
+                      <a:endParaRPr lang="pl-PL" dirty="0"/>
+                    </a:p>
+                  </a:txBody>
+                  <a:tcPr/>
+                </a:tc>
+                <a:extLst>
+                  <a:ext uri="{0D108BD9-81ED-4DB2-BD59-A6C34878D82A}">
+                    <a16:rowId xmlns:a16="http://schemas.microsoft.com/office/drawing/2014/main" val="209110560"/>
+                  </a:ext>
+                </a:extLst>
+              </a:tr>
+              <a:tr h="370840">
+                <a:tc gridSpan="2">
+                  <a:txBody>
+                    <a:bodyPr/>
+                    <a:lstStyle/>
+                    <a:p>
+                      <a:r>
+                        <a:rPr lang="pl-PL" dirty="0"/>
+                        <a:t>Menu</a:t>
+                      </a:r>
+                    </a:p>
+                  </a:txBody>
+                  <a:tcPr/>
+                </a:tc>
+                <a:tc hMerge="1">
+                  <a:txBody>
+                    <a:bodyPr/>
+                    <a:lstStyle/>
+                    <a:p>
+                      <a:endParaRPr lang="pl-PL" dirty="0"/>
+                    </a:p>
+                  </a:txBody>
+                  <a:tcPr/>
+                </a:tc>
+                <a:extLst>
+                  <a:ext uri="{0D108BD9-81ED-4DB2-BD59-A6C34878D82A}">
+                    <a16:rowId xmlns:a16="http://schemas.microsoft.com/office/drawing/2014/main" val="1853342513"/>
+                  </a:ext>
+                </a:extLst>
+              </a:tr>
+              <a:tr h="370840">
+                <a:tc>
+                  <a:txBody>
+                    <a:bodyPr/>
+                    <a:lstStyle/>
+                    <a:p>
+                      <a:r>
+                        <a:rPr lang="pl-PL" b="1" dirty="0"/>
+                        <a:t>Definicja roweru</a:t>
+                      </a:r>
+                    </a:p>
+                    <a:p>
+                      <a:r>
+                        <a:rPr lang="pl-PL" dirty="0"/>
+                        <a:t>...</a:t>
+                      </a:r>
+                    </a:p>
+                    <a:p>
+                      <a:r>
+                        <a:rPr lang="pl-PL" dirty="0"/>
+                        <a:t>...</a:t>
+                      </a:r>
+                    </a:p>
+                    <a:p>
+                      <a:r>
+                        <a:rPr lang="pl-PL" dirty="0"/>
+                        <a:t>...</a:t>
+                      </a:r>
+                    </a:p>
+                    <a:p>
+                      <a:r>
+                        <a:rPr lang="pl-PL" dirty="0"/>
+                        <a:t>...</a:t>
+                      </a:r>
+                    </a:p>
+                    <a:p>
+                      <a:r>
+                        <a:rPr lang="pl-PL" dirty="0"/>
+                        <a:t>...</a:t>
+                      </a:r>
+                    </a:p>
+                    <a:p>
+                      <a:r>
+                        <a:rPr lang="pl-PL" dirty="0"/>
+                        <a:t>...</a:t>
+                      </a:r>
+                    </a:p>
+                    <a:p>
+                      <a:r>
+                        <a:rPr lang="pl-PL" dirty="0"/>
+                        <a:t>...</a:t>
+                      </a:r>
+                    </a:p>
+                    <a:p>
+                      <a:r>
+                        <a:rPr lang="pl-PL" dirty="0"/>
+                        <a:t>...</a:t>
+                      </a:r>
+                    </a:p>
+                  </a:txBody>
+                  <a:tcPr/>
+                </a:tc>
+                <a:tc>
+                  <a:txBody>
+                    <a:bodyPr/>
+                    <a:lstStyle/>
+                    <a:p>
+                      <a:r>
+                        <a:rPr lang="pl-PL" b="1" dirty="0"/>
+                        <a:t>Rodzaje rowerów</a:t>
+                      </a:r>
+                    </a:p>
+                    <a:p>
+                      <a:r>
+                        <a:rPr lang="pl-PL" dirty="0"/>
+                        <a:t>Rower miejski</a:t>
+                      </a:r>
+                    </a:p>
+                    <a:p>
+                      <a:r>
+                        <a:rPr lang="pl-PL" dirty="0"/>
+                        <a:t>Zdjęcie</a:t>
+                      </a:r>
+                    </a:p>
+                    <a:p>
+                      <a:r>
+                        <a:rPr lang="pl-PL" dirty="0"/>
+                        <a:t>Opis</a:t>
+                      </a:r>
+                    </a:p>
+                    <a:p>
+                      <a:r>
+                        <a:rPr lang="pl-PL" dirty="0"/>
+                        <a:t>...</a:t>
+                      </a:r>
+                    </a:p>
+                    <a:p>
+                      <a:r>
+                        <a:rPr lang="pl-PL" dirty="0"/>
+                        <a:t>...</a:t>
+                      </a:r>
+                    </a:p>
+                    <a:p>
+                      <a:r>
+                        <a:rPr lang="pl-PL" dirty="0"/>
+                        <a:t>...</a:t>
+                      </a:r>
+                    </a:p>
+                    <a:p>
+                      <a:r>
+                        <a:rPr lang="pl-PL" dirty="0"/>
+                        <a:t>...</a:t>
+                      </a:r>
+                    </a:p>
+                    <a:p>
+                      <a:r>
+                        <a:rPr lang="pl-PL" dirty="0"/>
+                        <a:t>...</a:t>
+                      </a:r>
+                    </a:p>
+                    <a:p>
+                      <a:r>
+                        <a:rPr lang="pl-PL" dirty="0"/>
+                        <a:t>...</a:t>
+                      </a:r>
+                    </a:p>
+                  </a:txBody>
+                  <a:tcPr/>
+                </a:tc>
+                <a:extLst>
+                  <a:ext uri="{0D108BD9-81ED-4DB2-BD59-A6C34878D82A}">
+                    <a16:rowId xmlns:a16="http://schemas.microsoft.com/office/drawing/2014/main" val="2253342284"/>
+                  </a:ext>
+                </a:extLst>
+              </a:tr>
+            </a:tbl>
+          </a:graphicData>
+        </a:graphic>
+      </p:graphicFrame>
+      <p:sp>
+        <p:nvSpPr>
+          <p:cNvPr id="3" name="Symbol zastępczy numeru slajdu 2">
+            <a:extLst>
+              <a:ext uri="{FF2B5EF4-FFF2-40B4-BE49-F238E27FC236}">
+                <a16:creationId xmlns:a16="http://schemas.microsoft.com/office/drawing/2014/main" id="{2892933D-C967-4F56-9394-E324FEE00B51}"/>
+              </a:ext>
+            </a:extLst>
+          </p:cNvPr>
+          <p:cNvSpPr>
+            <a:spLocks noGrp="1"/>
+          </p:cNvSpPr>
+          <p:nvPr>
+            <p:ph type="sldNum" sz="quarter" idx="12"/>
+          </p:nvPr>
+        </p:nvSpPr>
+        <p:spPr/>
+        <p:txBody>
+          <a:bodyPr/>
+          <a:lstStyle/>
+          <a:p>
+            <a:fld id="{254C963F-D690-449C-B336-8B464EE7B8DB}" type="slidenum">
+              <a:rPr lang="pl-PL" smtClean="0"/>
+              <a:t>3</a:t>
+            </a:fld>
+            <a:endParaRPr lang="pl-PL" dirty="0"/>
+          </a:p>
+        </p:txBody>
+      </p:sp>
+    </p:spTree>
+    <p:extLst>
+      <p:ext uri="{BB962C8B-B14F-4D97-AF65-F5344CB8AC3E}">
+        <p14:creationId xmlns:p14="http://schemas.microsoft.com/office/powerpoint/2010/main" val="2770410667"/>
+      </p:ext>
+    </p:extLst>
+  </p:cSld>
+  <p:clrMapOvr>
+    <a:masterClrMapping/>
+  </p:clrMapOvr>
+</p:sld>
+</file>
+
+<file path=ppt/slides/slide4.xml><?xml version="1.0" encoding="utf-8"?>
+<p:sld xmlns:a="http://schemas.openxmlformats.org/drawingml/2006/main" xmlns:r="http://schemas.openxmlformats.org/officeDocument/2006/relationships" xmlns:p="http://schemas.openxmlformats.org/presentationml/2006/main">
+  <p:cSld>
+    <p:spTree>
+      <p:nvGrpSpPr>
+        <p:cNvPr id="1" name=""/>
+        <p:cNvGrpSpPr/>
+        <p:nvPr/>
+      </p:nvGrpSpPr>
+      <p:grpSpPr>
+        <a:xfrm>
+          <a:off x="0" y="0"/>
+          <a:ext cx="0" cy="0"/>
+          <a:chOff x="0" y="0"/>
+          <a:chExt cx="0" cy="0"/>
+        </a:xfrm>
+      </p:grpSpPr>
+      <p:sp>
+        <p:nvSpPr>
+          <p:cNvPr id="2" name="Symbol zastępczy zawartości 1">
+            <a:extLst>
+              <a:ext uri="{FF2B5EF4-FFF2-40B4-BE49-F238E27FC236}">
+                <a16:creationId xmlns:a16="http://schemas.microsoft.com/office/drawing/2014/main" id="{EBABECA9-3904-4BD7-BF99-E8F512588DB3}"/>
+              </a:ext>
+            </a:extLst>
+          </p:cNvPr>
+          <p:cNvSpPr>
+            <a:spLocks noGrp="1"/>
+          </p:cNvSpPr>
+          <p:nvPr>
+            <p:ph idx="1"/>
+          </p:nvPr>
+        </p:nvSpPr>
+        <p:spPr/>
+        <p:txBody>
+          <a:bodyPr>
+            <a:normAutofit fontScale="92500"/>
+          </a:bodyPr>
+          <a:lstStyle/>
+          <a:p>
+            <a:r>
+              <a:rPr lang="pl-PL" dirty="0"/>
+              <a:t>Zmodyfikuj aplikację Bicycle, aby funkcjonowała jako PWA.</a:t>
+            </a:r>
+          </a:p>
+          <a:p>
+            <a:r>
+              <a:rPr lang="pl-PL" dirty="0"/>
+              <a:t>Utwórz plik manifestu, ikony oraz podstawowy service </a:t>
+            </a:r>
+            <a:r>
+              <a:rPr lang="pl-PL" dirty="0" err="1"/>
+              <a:t>worker</a:t>
+            </a:r>
+            <a:r>
+              <a:rPr lang="pl-PL" dirty="0"/>
+              <a:t>.</a:t>
+            </a:r>
+          </a:p>
+          <a:p>
+            <a:r>
+              <a:rPr lang="pl-PL" dirty="0"/>
+              <a:t>Umieść aplikację na platformie </a:t>
+            </a:r>
+            <a:r>
+              <a:rPr lang="pl-PL" dirty="0" err="1"/>
+              <a:t>github</a:t>
+            </a:r>
+            <a:r>
+              <a:rPr lang="pl-PL" dirty="0"/>
+              <a:t>.</a:t>
+            </a:r>
+          </a:p>
+          <a:p>
+            <a:r>
+              <a:rPr lang="pl-PL" dirty="0"/>
+              <a:t>Przetestuj działanie aplikacji oraz jej instalację zarówno na komputerze stacjonarnym, jak i na fizycznym urządzeniu mobilnym (smartfonie).</a:t>
+            </a:r>
+          </a:p>
+          <a:p>
+            <a:r>
+              <a:rPr lang="pl-PL" dirty="0"/>
+              <a:t>Prześlij (1) link do aplikacji oraz (2) link do repozytorium aplikacji na platformę </a:t>
+            </a:r>
+            <a:r>
+              <a:rPr lang="pl-PL" dirty="0" err="1"/>
+              <a:t>Moodle</a:t>
+            </a:r>
+            <a:r>
+              <a:rPr lang="pl-PL" dirty="0"/>
+              <a:t> do oceny (Temat 1). Linki przesyła tylko kierownik grupy, podając imiona i nazwiska wszystkich osób realizujących zadanie.</a:t>
+            </a:r>
+          </a:p>
+        </p:txBody>
+      </p:sp>
+      <p:sp>
+        <p:nvSpPr>
+          <p:cNvPr id="3" name="Symbol zastępczy numeru slajdu 2">
+            <a:extLst>
+              <a:ext uri="{FF2B5EF4-FFF2-40B4-BE49-F238E27FC236}">
+                <a16:creationId xmlns:a16="http://schemas.microsoft.com/office/drawing/2014/main" id="{1FF30ED7-61F2-4BF2-85F4-E6B0C3894814}"/>
+              </a:ext>
+            </a:extLst>
+          </p:cNvPr>
+          <p:cNvSpPr>
+            <a:spLocks noGrp="1"/>
+          </p:cNvSpPr>
+          <p:nvPr>
+            <p:ph type="sldNum" sz="quarter" idx="12"/>
+          </p:nvPr>
+        </p:nvSpPr>
+        <p:spPr/>
+        <p:txBody>
+          <a:bodyPr/>
+          <a:lstStyle/>
+          <a:p>
+            <a:fld id="{254C963F-D690-449C-B336-8B464EE7B8DB}" type="slidenum">
+              <a:rPr lang="pl-PL" smtClean="0"/>
+              <a:t>4</a:t>
+            </a:fld>
+            <a:endParaRPr lang="pl-PL" dirty="0"/>
+          </a:p>
+        </p:txBody>
+      </p:sp>
+      <p:sp>
+        <p:nvSpPr>
+          <p:cNvPr id="4" name="Tytuł 3">
+            <a:extLst>
+              <a:ext uri="{FF2B5EF4-FFF2-40B4-BE49-F238E27FC236}">
+                <a16:creationId xmlns:a16="http://schemas.microsoft.com/office/drawing/2014/main" id="{B8655A60-CBFE-4F62-8A66-877C5E9FD826}"/>
+              </a:ext>
+            </a:extLst>
+          </p:cNvPr>
+          <p:cNvSpPr>
+            <a:spLocks noGrp="1"/>
+          </p:cNvSpPr>
+          <p:nvPr>
+            <p:ph type="title"/>
+          </p:nvPr>
+        </p:nvSpPr>
+        <p:spPr/>
+        <p:txBody>
+          <a:bodyPr/>
+          <a:lstStyle/>
+          <a:p>
+            <a:r>
+              <a:rPr lang="pl-PL" dirty="0"/>
+              <a:t>Bicycle PWA</a:t>
+            </a:r>
+          </a:p>
+        </p:txBody>
+      </p:sp>
+    </p:spTree>
+    <p:extLst>
+      <p:ext uri="{BB962C8B-B14F-4D97-AF65-F5344CB8AC3E}">
+        <p14:creationId xmlns:p14="http://schemas.microsoft.com/office/powerpoint/2010/main" val="1733101310"/>
       </p:ext>
     </p:extLst>
   </p:cSld>
